--- a/_teaching/csci112-fall-2023/lectures/ppts/makefiles.pptx
+++ b/_teaching/csci112-fall-2023/lectures/ppts/makefiles.pptx
@@ -5,7 +5,7 @@
     <p:sldMasterId id="2147483696" r:id="rId1"/>
   </p:sldMasterIdLst>
   <p:notesMasterIdLst>
-    <p:notesMasterId r:id="rId7"/>
+    <p:notesMasterId r:id="rId8"/>
   </p:notesMasterIdLst>
   <p:sldIdLst>
     <p:sldId id="310" r:id="rId2"/>
@@ -13,6 +13,7 @@
     <p:sldId id="313" r:id="rId4"/>
     <p:sldId id="309" r:id="rId5"/>
     <p:sldId id="314" r:id="rId6"/>
+    <p:sldId id="315" r:id="rId7"/>
   </p:sldIdLst>
   <p:sldSz cx="9144000" cy="6858000" type="screen4x3"/>
   <p:notesSz cx="6858000" cy="9144000"/>
@@ -4796,6 +4797,191 @@
     <p:extLst>
       <p:ext uri="{BB962C8B-B14F-4D97-AF65-F5344CB8AC3E}">
         <p14:creationId xmlns:p14="http://schemas.microsoft.com/office/powerpoint/2010/main" val="1179712715"/>
+      </p:ext>
+    </p:extLst>
+  </p:cSld>
+  <p:clrMapOvr>
+    <a:masterClrMapping/>
+  </p:clrMapOvr>
+</p:sld>
+</file>
+
+<file path=ppt/slides/slide6.xml><?xml version="1.0" encoding="utf-8"?>
+<p:sld xmlns:a="http://schemas.openxmlformats.org/drawingml/2006/main" xmlns:r="http://schemas.openxmlformats.org/officeDocument/2006/relationships" xmlns:p="http://schemas.openxmlformats.org/presentationml/2006/main">
+  <p:cSld>
+    <p:spTree>
+      <p:nvGrpSpPr>
+        <p:cNvPr id="1" name=""/>
+        <p:cNvGrpSpPr/>
+        <p:nvPr/>
+      </p:nvGrpSpPr>
+      <p:grpSpPr>
+        <a:xfrm>
+          <a:off x="0" y="0"/>
+          <a:ext cx="0" cy="0"/>
+          <a:chOff x="0" y="0"/>
+          <a:chExt cx="0" cy="0"/>
+        </a:xfrm>
+      </p:grpSpPr>
+      <p:sp>
+        <p:nvSpPr>
+          <p:cNvPr id="2" name="Title 1">
+            <a:extLst>
+              <a:ext uri="{FF2B5EF4-FFF2-40B4-BE49-F238E27FC236}">
+                <a16:creationId xmlns:a16="http://schemas.microsoft.com/office/drawing/2014/main" id="{A0AD9619-ACDB-9847-9414-8D331518AA37}"/>
+              </a:ext>
+            </a:extLst>
+          </p:cNvPr>
+          <p:cNvSpPr>
+            <a:spLocks noGrp="1"/>
+          </p:cNvSpPr>
+          <p:nvPr>
+            <p:ph type="title"/>
+          </p:nvPr>
+        </p:nvSpPr>
+        <p:spPr/>
+        <p:txBody>
+          <a:bodyPr>
+            <a:normAutofit/>
+          </a:bodyPr>
+          <a:lstStyle/>
+          <a:p>
+            <a:r>
+              <a:rPr lang="en-US" dirty="0" err="1"/>
+              <a:t>Makefiles</a:t>
+            </a:r>
+            <a:endParaRPr lang="en-US" dirty="0"/>
+          </a:p>
+        </p:txBody>
+      </p:sp>
+      <p:sp>
+        <p:nvSpPr>
+          <p:cNvPr id="3" name="Content Placeholder 2">
+            <a:extLst>
+              <a:ext uri="{FF2B5EF4-FFF2-40B4-BE49-F238E27FC236}">
+                <a16:creationId xmlns:a16="http://schemas.microsoft.com/office/drawing/2014/main" id="{CE07B50E-8174-9546-9088-E584C0B94BC6}"/>
+              </a:ext>
+            </a:extLst>
+          </p:cNvPr>
+          <p:cNvSpPr>
+            <a:spLocks noGrp="1"/>
+          </p:cNvSpPr>
+          <p:nvPr>
+            <p:ph idx="1"/>
+          </p:nvPr>
+        </p:nvSpPr>
+        <p:spPr/>
+        <p:txBody>
+          <a:bodyPr>
+            <a:normAutofit/>
+          </a:bodyPr>
+          <a:lstStyle/>
+          <a:p>
+            <a:r>
+              <a:rPr lang="en-US" dirty="0">
+                <a:cs typeface="Calibri"/>
+              </a:rPr>
+              <a:t>can run with specific targets</a:t>
+            </a:r>
+          </a:p>
+          <a:p>
+            <a:pPr marL="0" indent="0">
+              <a:buNone/>
+            </a:pPr>
+            <a:r>
+              <a:rPr lang="en-US" dirty="0">
+                <a:cs typeface="Calibri"/>
+              </a:rPr>
+              <a:t>make </a:t>
+            </a:r>
+            <a:r>
+              <a:rPr lang="en-US" dirty="0" err="1">
+                <a:cs typeface="Calibri"/>
+              </a:rPr>
+              <a:t>mytarget</a:t>
+            </a:r>
+            <a:endParaRPr lang="en-US" dirty="0">
+              <a:cs typeface="Calibri"/>
+            </a:endParaRPr>
+          </a:p>
+          <a:p>
+            <a:r>
+              <a:rPr lang="en-US" dirty="0">
+                <a:cs typeface="Calibri"/>
+              </a:rPr>
+              <a:t>clean should clean up directory by removing object and executables</a:t>
+            </a:r>
+          </a:p>
+          <a:p>
+            <a:pPr marL="0" indent="0">
+              <a:buNone/>
+            </a:pPr>
+            <a:r>
+              <a:rPr lang="en-US" dirty="0">
+                <a:cs typeface="Calibri"/>
+              </a:rPr>
+              <a:t>make clean</a:t>
+            </a:r>
+          </a:p>
+          <a:p>
+            <a:pPr marL="0" indent="0">
+              <a:buNone/>
+            </a:pPr>
+            <a:endParaRPr lang="en-US" dirty="0">
+              <a:cs typeface="Calibri"/>
+            </a:endParaRPr>
+          </a:p>
+          <a:p>
+            <a:r>
+              <a:rPr lang="en-US" dirty="0">
+                <a:cs typeface="Calibri"/>
+              </a:rPr>
+              <a:t>can use variables</a:t>
+            </a:r>
+          </a:p>
+          <a:p>
+            <a:pPr marL="0" indent="0">
+              <a:buNone/>
+            </a:pPr>
+            <a:endParaRPr lang="en-US" dirty="0">
+              <a:cs typeface="Calibri"/>
+            </a:endParaRPr>
+          </a:p>
+        </p:txBody>
+      </p:sp>
+      <p:sp>
+        <p:nvSpPr>
+          <p:cNvPr id="5" name="Slide Number Placeholder 4">
+            <a:extLst>
+              <a:ext uri="{FF2B5EF4-FFF2-40B4-BE49-F238E27FC236}">
+                <a16:creationId xmlns:a16="http://schemas.microsoft.com/office/drawing/2014/main" id="{A998C9CE-D56D-A845-B4AB-6F0B4431B165}"/>
+              </a:ext>
+            </a:extLst>
+          </p:cNvPr>
+          <p:cNvSpPr>
+            <a:spLocks noGrp="1"/>
+          </p:cNvSpPr>
+          <p:nvPr>
+            <p:ph type="sldNum" sz="quarter" idx="12"/>
+          </p:nvPr>
+        </p:nvSpPr>
+        <p:spPr/>
+        <p:txBody>
+          <a:bodyPr/>
+          <a:lstStyle/>
+          <a:p>
+            <a:fld id="{85A8DA42-601D-40A8-83CA-2F2CBDE5F9F0}" type="slidenum">
+              <a:rPr lang="en-US" smtClean="0"/>
+              <a:t>6</a:t>
+            </a:fld>
+            <a:endParaRPr lang="en-US"/>
+          </a:p>
+        </p:txBody>
+      </p:sp>
+    </p:spTree>
+    <p:extLst>
+      <p:ext uri="{BB962C8B-B14F-4D97-AF65-F5344CB8AC3E}">
+        <p14:creationId xmlns:p14="http://schemas.microsoft.com/office/powerpoint/2010/main" val="855763087"/>
       </p:ext>
     </p:extLst>
   </p:cSld>
